--- a/images/architecture_new.pptx
+++ b/images/architecture_new.pptx
@@ -104,6 +104,11 @@
       </a:defRPr>
     </a:lvl9pPr>
   </p:defaultTextStyle>
+  <p:extLst>
+    <p:ext uri="{EFAFB233-063F-42B5-8137-9DF3F51BA10A}">
+      <p15:sldGuideLst xmlns:p15="http://schemas.microsoft.com/office/powerpoint/2012/main"/>
+    </p:ext>
+  </p:extLst>
 </p:presentation>
 </file>
 
@@ -254,7 +259,7 @@
           <a:p>
             <a:fld id="{B8A47B62-BE7E-4F7F-AC39-2BD8D19C2A14}" type="datetimeFigureOut">
               <a:rPr lang="en-US" smtClean="0"/>
-              <a:t>5/16/2018</a:t>
+              <a:t>9/16/2018</a:t>
             </a:fld>
             <a:endParaRPr lang="en-US"/>
           </a:p>
@@ -452,7 +457,7 @@
           <a:p>
             <a:fld id="{B8A47B62-BE7E-4F7F-AC39-2BD8D19C2A14}" type="datetimeFigureOut">
               <a:rPr lang="en-US" smtClean="0"/>
-              <a:t>5/16/2018</a:t>
+              <a:t>9/16/2018</a:t>
             </a:fld>
             <a:endParaRPr lang="en-US"/>
           </a:p>
@@ -660,7 +665,7 @@
           <a:p>
             <a:fld id="{B8A47B62-BE7E-4F7F-AC39-2BD8D19C2A14}" type="datetimeFigureOut">
               <a:rPr lang="en-US" smtClean="0"/>
-              <a:t>5/16/2018</a:t>
+              <a:t>9/16/2018</a:t>
             </a:fld>
             <a:endParaRPr lang="en-US"/>
           </a:p>
@@ -858,7 +863,7 @@
           <a:p>
             <a:fld id="{B8A47B62-BE7E-4F7F-AC39-2BD8D19C2A14}" type="datetimeFigureOut">
               <a:rPr lang="en-US" smtClean="0"/>
-              <a:t>5/16/2018</a:t>
+              <a:t>9/16/2018</a:t>
             </a:fld>
             <a:endParaRPr lang="en-US"/>
           </a:p>
@@ -1133,7 +1138,7 @@
           <a:p>
             <a:fld id="{B8A47B62-BE7E-4F7F-AC39-2BD8D19C2A14}" type="datetimeFigureOut">
               <a:rPr lang="en-US" smtClean="0"/>
-              <a:t>5/16/2018</a:t>
+              <a:t>9/16/2018</a:t>
             </a:fld>
             <a:endParaRPr lang="en-US"/>
           </a:p>
@@ -1398,7 +1403,7 @@
           <a:p>
             <a:fld id="{B8A47B62-BE7E-4F7F-AC39-2BD8D19C2A14}" type="datetimeFigureOut">
               <a:rPr lang="en-US" smtClean="0"/>
-              <a:t>5/16/2018</a:t>
+              <a:t>9/16/2018</a:t>
             </a:fld>
             <a:endParaRPr lang="en-US"/>
           </a:p>
@@ -1810,7 +1815,7 @@
           <a:p>
             <a:fld id="{B8A47B62-BE7E-4F7F-AC39-2BD8D19C2A14}" type="datetimeFigureOut">
               <a:rPr lang="en-US" smtClean="0"/>
-              <a:t>5/16/2018</a:t>
+              <a:t>9/16/2018</a:t>
             </a:fld>
             <a:endParaRPr lang="en-US"/>
           </a:p>
@@ -1951,7 +1956,7 @@
           <a:p>
             <a:fld id="{B8A47B62-BE7E-4F7F-AC39-2BD8D19C2A14}" type="datetimeFigureOut">
               <a:rPr lang="en-US" smtClean="0"/>
-              <a:t>5/16/2018</a:t>
+              <a:t>9/16/2018</a:t>
             </a:fld>
             <a:endParaRPr lang="en-US"/>
           </a:p>
@@ -2064,7 +2069,7 @@
           <a:p>
             <a:fld id="{B8A47B62-BE7E-4F7F-AC39-2BD8D19C2A14}" type="datetimeFigureOut">
               <a:rPr lang="en-US" smtClean="0"/>
-              <a:t>5/16/2018</a:t>
+              <a:t>9/16/2018</a:t>
             </a:fld>
             <a:endParaRPr lang="en-US"/>
           </a:p>
@@ -2375,7 +2380,7 @@
           <a:p>
             <a:fld id="{B8A47B62-BE7E-4F7F-AC39-2BD8D19C2A14}" type="datetimeFigureOut">
               <a:rPr lang="en-US" smtClean="0"/>
-              <a:t>5/16/2018</a:t>
+              <a:t>9/16/2018</a:t>
             </a:fld>
             <a:endParaRPr lang="en-US"/>
           </a:p>
@@ -2663,7 +2668,7 @@
           <a:p>
             <a:fld id="{B8A47B62-BE7E-4F7F-AC39-2BD8D19C2A14}" type="datetimeFigureOut">
               <a:rPr lang="en-US" smtClean="0"/>
-              <a:t>5/16/2018</a:t>
+              <a:t>9/16/2018</a:t>
             </a:fld>
             <a:endParaRPr lang="en-US"/>
           </a:p>
@@ -2904,7 +2909,7 @@
           <a:p>
             <a:fld id="{B8A47B62-BE7E-4F7F-AC39-2BD8D19C2A14}" type="datetimeFigureOut">
               <a:rPr lang="en-US" smtClean="0"/>
-              <a:t>5/16/2018</a:t>
+              <a:t>9/16/2018</a:t>
             </a:fld>
             <a:endParaRPr lang="en-US"/>
           </a:p>
@@ -3323,10 +3328,10 @@
       </p:grpSpPr>
       <p:sp>
         <p:nvSpPr>
-          <p:cNvPr id="16" name="文本框 98">
-            <a:extLst>
-              <a:ext uri="{FF2B5EF4-FFF2-40B4-BE49-F238E27FC236}">
-                <a16:creationId xmlns:a16="http://schemas.microsoft.com/office/drawing/2014/main" id="{7836B110-5C50-4AB0-A83F-1EDD3409BEC4}"/>
+          <p:cNvPr id="18" name="文本框 101">
+            <a:extLst>
+              <a:ext uri="{FF2B5EF4-FFF2-40B4-BE49-F238E27FC236}">
+                <a16:creationId xmlns:a16="http://schemas.microsoft.com/office/drawing/2014/main" id="{868914E2-E235-4FF3-8C14-9819DF92923D}"/>
               </a:ext>
             </a:extLst>
           </p:cNvPr>
@@ -3335,8 +3340,8 @@
         </p:nvSpPr>
         <p:spPr>
           <a:xfrm>
-            <a:off x="3279441" y="4945117"/>
-            <a:ext cx="1282700" cy="400110"/>
+            <a:off x="6607353" y="4894931"/>
+            <a:ext cx="1749134" cy="461665"/>
           </a:xfrm>
           <a:prstGeom prst="rect">
             <a:avLst/>
@@ -3367,10 +3372,168 @@
           <a:p>
             <a:pPr algn="r"/>
             <a:r>
-              <a:rPr kumimoji="1" lang="en-US" altLang="zh-CN" sz="2000" dirty="0"/>
+              <a:rPr kumimoji="1" lang="en-US" altLang="zh-CN" sz="2400" dirty="0"/>
               <a:t>Host 3</a:t>
             </a:r>
-            <a:endParaRPr kumimoji="1" lang="zh-CN" altLang="en-US" sz="2000" dirty="0"/>
+          </a:p>
+        </p:txBody>
+      </p:sp>
+      <p:sp>
+        <p:nvSpPr>
+          <p:cNvPr id="38" name="Rectangle 37">
+            <a:extLst>
+              <a:ext uri="{FF2B5EF4-FFF2-40B4-BE49-F238E27FC236}">
+                <a16:creationId xmlns:a16="http://schemas.microsoft.com/office/drawing/2014/main" id="{27BE0CED-8C7A-4F9A-80B3-88A48118CFA0}"/>
+              </a:ext>
+            </a:extLst>
+          </p:cNvPr>
+          <p:cNvSpPr/>
+          <p:nvPr/>
+        </p:nvSpPr>
+        <p:spPr>
+          <a:xfrm>
+            <a:off x="6311022" y="4941248"/>
+            <a:ext cx="2165030" cy="1659577"/>
+          </a:xfrm>
+          <a:prstGeom prst="rect">
+            <a:avLst/>
+          </a:prstGeom>
+          <a:noFill/>
+          <a:ln w="19050">
+            <a:solidFill>
+              <a:schemeClr val="tx1"/>
+            </a:solidFill>
+            <a:prstDash val="lgDash"/>
+          </a:ln>
+        </p:spPr>
+        <p:style>
+          <a:lnRef idx="2">
+            <a:schemeClr val="accent1">
+              <a:shade val="50000"/>
+            </a:schemeClr>
+          </a:lnRef>
+          <a:fillRef idx="1">
+            <a:schemeClr val="accent1"/>
+          </a:fillRef>
+          <a:effectRef idx="0">
+            <a:schemeClr val="accent1"/>
+          </a:effectRef>
+          <a:fontRef idx="minor">
+            <a:schemeClr val="lt1"/>
+          </a:fontRef>
+        </p:style>
+        <p:txBody>
+          <a:bodyPr rtlCol="0" anchor="ctr"/>
+          <a:lstStyle/>
+          <a:p>
+            <a:pPr algn="ctr"/>
+            <a:endParaRPr lang="en-US"/>
+          </a:p>
+        </p:txBody>
+      </p:sp>
+      <p:sp>
+        <p:nvSpPr>
+          <p:cNvPr id="37" name="Rectangle 36">
+            <a:extLst>
+              <a:ext uri="{FF2B5EF4-FFF2-40B4-BE49-F238E27FC236}">
+                <a16:creationId xmlns:a16="http://schemas.microsoft.com/office/drawing/2014/main" id="{32FE88F1-9490-408E-A8BD-7178B859DC34}"/>
+              </a:ext>
+            </a:extLst>
+          </p:cNvPr>
+          <p:cNvSpPr/>
+          <p:nvPr/>
+        </p:nvSpPr>
+        <p:spPr>
+          <a:xfrm>
+            <a:off x="733425" y="4941248"/>
+            <a:ext cx="5286375" cy="1659577"/>
+          </a:xfrm>
+          <a:prstGeom prst="rect">
+            <a:avLst/>
+          </a:prstGeom>
+          <a:noFill/>
+          <a:ln w="19050">
+            <a:solidFill>
+              <a:schemeClr val="tx1"/>
+            </a:solidFill>
+            <a:prstDash val="lgDash"/>
+          </a:ln>
+        </p:spPr>
+        <p:style>
+          <a:lnRef idx="2">
+            <a:schemeClr val="accent1">
+              <a:shade val="50000"/>
+            </a:schemeClr>
+          </a:lnRef>
+          <a:fillRef idx="1">
+            <a:schemeClr val="accent1"/>
+          </a:fillRef>
+          <a:effectRef idx="0">
+            <a:schemeClr val="accent1"/>
+          </a:effectRef>
+          <a:fontRef idx="minor">
+            <a:schemeClr val="lt1"/>
+          </a:fontRef>
+        </p:style>
+        <p:txBody>
+          <a:bodyPr rtlCol="0" anchor="ctr"/>
+          <a:lstStyle/>
+          <a:p>
+            <a:pPr algn="ctr"/>
+            <a:endParaRPr lang="en-US"/>
+          </a:p>
+        </p:txBody>
+      </p:sp>
+      <p:sp>
+        <p:nvSpPr>
+          <p:cNvPr id="19" name="Rectangle 18">
+            <a:extLst>
+              <a:ext uri="{FF2B5EF4-FFF2-40B4-BE49-F238E27FC236}">
+                <a16:creationId xmlns:a16="http://schemas.microsoft.com/office/drawing/2014/main" id="{0409634E-BA95-4F25-B751-C50F69CE14F1}"/>
+              </a:ext>
+            </a:extLst>
+          </p:cNvPr>
+          <p:cNvSpPr/>
+          <p:nvPr/>
+        </p:nvSpPr>
+        <p:spPr>
+          <a:xfrm>
+            <a:off x="733425" y="1657350"/>
+            <a:ext cx="9839325" cy="2575823"/>
+          </a:xfrm>
+          <a:prstGeom prst="rect">
+            <a:avLst/>
+          </a:prstGeom>
+          <a:noFill/>
+          <a:ln w="19050">
+            <a:solidFill>
+              <a:schemeClr val="tx1"/>
+            </a:solidFill>
+            <a:prstDash val="lgDash"/>
+          </a:ln>
+        </p:spPr>
+        <p:style>
+          <a:lnRef idx="2">
+            <a:schemeClr val="accent1">
+              <a:shade val="50000"/>
+            </a:schemeClr>
+          </a:lnRef>
+          <a:fillRef idx="1">
+            <a:schemeClr val="accent1"/>
+          </a:fillRef>
+          <a:effectRef idx="0">
+            <a:schemeClr val="accent1"/>
+          </a:effectRef>
+          <a:fontRef idx="minor">
+            <a:schemeClr val="lt1"/>
+          </a:fontRef>
+        </p:style>
+        <p:txBody>
+          <a:bodyPr rtlCol="0" anchor="ctr"/>
+          <a:lstStyle/>
+          <a:p>
+            <a:pPr algn="ctr"/>
+            <a:endParaRPr lang="en-US"/>
           </a:p>
         </p:txBody>
       </p:sp>
@@ -3485,8 +3648,8 @@
         </p:nvSpPr>
         <p:spPr>
           <a:xfrm>
-            <a:off x="5264964" y="2868895"/>
-            <a:ext cx="1799354" cy="721104"/>
+            <a:off x="4683938" y="2868895"/>
+            <a:ext cx="2452001" cy="721104"/>
           </a:xfrm>
           <a:prstGeom prst="rect">
             <a:avLst/>
@@ -3537,7 +3700,7 @@
         </p:nvSpPr>
         <p:spPr>
           <a:xfrm>
-            <a:off x="9409897" y="1813819"/>
+            <a:off x="8541714" y="1740111"/>
             <a:ext cx="1907524" cy="474797"/>
           </a:xfrm>
           <a:prstGeom prst="rect">
@@ -3585,7 +3748,7 @@
         </p:nvSpPr>
         <p:spPr>
           <a:xfrm>
-            <a:off x="9409897" y="2288617"/>
+            <a:off x="8541714" y="2214909"/>
             <a:ext cx="1907524" cy="1375090"/>
           </a:xfrm>
           <a:prstGeom prst="rect">
@@ -3635,7 +3798,7 @@
         <p:spPr>
           <a:xfrm>
             <a:off x="2794018" y="3074724"/>
-            <a:ext cx="2710820" cy="354276"/>
+            <a:ext cx="1987532" cy="354276"/>
           </a:xfrm>
           <a:prstGeom prst="rect">
             <a:avLst/>
@@ -3686,8 +3849,8 @@
         </p:nvSpPr>
         <p:spPr>
           <a:xfrm>
-            <a:off x="6848591" y="3053842"/>
-            <a:ext cx="2758117" cy="354276"/>
+            <a:off x="6929247" y="3078818"/>
+            <a:ext cx="1819160" cy="354276"/>
           </a:xfrm>
           <a:prstGeom prst="rect">
             <a:avLst/>
@@ -3739,7 +3902,7 @@
         <p:spPr>
           <a:xfrm>
             <a:off x="1019388" y="6056457"/>
-            <a:ext cx="1897335" cy="465530"/>
+            <a:ext cx="1902430" cy="465530"/>
           </a:xfrm>
           <a:prstGeom prst="rect">
             <a:avLst/>
@@ -3835,8 +3998,8 @@
         </p:nvSpPr>
         <p:spPr>
           <a:xfrm>
-            <a:off x="505800" y="3675391"/>
-            <a:ext cx="1282700" cy="400110"/>
+            <a:off x="426377" y="3718045"/>
+            <a:ext cx="1282700" cy="461665"/>
           </a:xfrm>
           <a:prstGeom prst="rect">
             <a:avLst/>
@@ -3851,10 +4014,10 @@
           <a:p>
             <a:pPr algn="r"/>
             <a:r>
-              <a:rPr kumimoji="1" lang="en-US" altLang="zh-CN" sz="2000" dirty="0"/>
+              <a:rPr kumimoji="1" lang="en-US" altLang="zh-CN" sz="2400" dirty="0"/>
               <a:t>Host 1</a:t>
             </a:r>
-            <a:endParaRPr kumimoji="1" lang="zh-CN" altLang="en-US" sz="2000" dirty="0"/>
+            <a:endParaRPr kumimoji="1" lang="zh-CN" altLang="en-US" sz="2400" dirty="0"/>
           </a:p>
         </p:txBody>
       </p:sp>
@@ -3872,8 +4035,8 @@
         </p:nvSpPr>
         <p:spPr>
           <a:xfrm>
-            <a:off x="479890" y="4969549"/>
-            <a:ext cx="1282700" cy="400110"/>
+            <a:off x="426377" y="4903179"/>
+            <a:ext cx="1282700" cy="461665"/>
           </a:xfrm>
           <a:prstGeom prst="rect">
             <a:avLst/>
@@ -3888,10 +4051,10 @@
           <a:p>
             <a:pPr algn="r"/>
             <a:r>
-              <a:rPr kumimoji="1" lang="en-US" altLang="zh-CN" sz="2000" dirty="0"/>
+              <a:rPr kumimoji="1" lang="en-US" altLang="zh-CN" sz="2400" dirty="0"/>
               <a:t>Host 2</a:t>
             </a:r>
-            <a:endParaRPr kumimoji="1" lang="zh-CN" altLang="en-US" sz="2000" dirty="0"/>
+            <a:endParaRPr kumimoji="1" lang="zh-CN" altLang="en-US" sz="2400" dirty="0"/>
           </a:p>
         </p:txBody>
       </p:sp>
@@ -3909,8 +4072,8 @@
         </p:nvSpPr>
         <p:spPr>
           <a:xfrm>
-            <a:off x="1742762" y="3429000"/>
-            <a:ext cx="380193" cy="2112121"/>
+            <a:off x="1742762" y="3474479"/>
+            <a:ext cx="380193" cy="1996150"/>
           </a:xfrm>
           <a:prstGeom prst="rect">
             <a:avLst/>
@@ -3945,10 +4108,10 @@
       </p:sp>
       <p:sp>
         <p:nvSpPr>
-          <p:cNvPr id="14" name="Rectangle 88">
-            <a:extLst>
-              <a:ext uri="{FF2B5EF4-FFF2-40B4-BE49-F238E27FC236}">
-                <a16:creationId xmlns:a16="http://schemas.microsoft.com/office/drawing/2014/main" id="{6CFA7FB4-F586-44AA-ACF0-8B851D917BCA}"/>
+          <p:cNvPr id="17" name="Rectangle 88">
+            <a:extLst>
+              <a:ext uri="{FF2B5EF4-FFF2-40B4-BE49-F238E27FC236}">
+                <a16:creationId xmlns:a16="http://schemas.microsoft.com/office/drawing/2014/main" id="{EA2DD9ED-C664-4A48-9E26-F61D5AC68048}"/>
               </a:ext>
             </a:extLst>
           </p:cNvPr>
@@ -3957,104 +4120,7 @@
         </p:nvSpPr>
         <p:spPr>
           <a:xfrm>
-            <a:off x="3160811" y="6054609"/>
-            <a:ext cx="1897335" cy="465530"/>
-          </a:xfrm>
-          <a:prstGeom prst="rect">
-            <a:avLst/>
-          </a:prstGeom>
-          <a:ln w="38100"/>
-        </p:spPr>
-        <p:style>
-          <a:lnRef idx="2">
-            <a:schemeClr val="dk1"/>
-          </a:lnRef>
-          <a:fillRef idx="1">
-            <a:schemeClr val="lt1"/>
-          </a:fillRef>
-          <a:effectRef idx="0">
-            <a:schemeClr val="dk1"/>
-          </a:effectRef>
-          <a:fontRef idx="minor">
-            <a:schemeClr val="dk1"/>
-          </a:fontRef>
-        </p:style>
-        <p:txBody>
-          <a:bodyPr rtlCol="0" anchor="t"/>
-          <a:lstStyle/>
-          <a:p>
-            <a:pPr algn="ctr"/>
-            <a:r>
-              <a:rPr lang="en-US" sz="2400" dirty="0"/>
-              <a:t>Application</a:t>
-            </a:r>
-          </a:p>
-        </p:txBody>
-      </p:sp>
-      <p:sp>
-        <p:nvSpPr>
-          <p:cNvPr id="15" name="Rectangle 89">
-            <a:extLst>
-              <a:ext uri="{FF2B5EF4-FFF2-40B4-BE49-F238E27FC236}">
-                <a16:creationId xmlns:a16="http://schemas.microsoft.com/office/drawing/2014/main" id="{2FFE28EC-3203-46E9-A937-B0162382B65A}"/>
-              </a:ext>
-            </a:extLst>
-          </p:cNvPr>
-          <p:cNvSpPr/>
-          <p:nvPr/>
-        </p:nvSpPr>
-        <p:spPr>
-          <a:xfrm>
-            <a:off x="3155717" y="5382102"/>
-            <a:ext cx="1907524" cy="674354"/>
-          </a:xfrm>
-          <a:prstGeom prst="rect">
-            <a:avLst/>
-          </a:prstGeom>
-          <a:ln w="38100"/>
-        </p:spPr>
-        <p:style>
-          <a:lnRef idx="2">
-            <a:schemeClr val="dk1"/>
-          </a:lnRef>
-          <a:fillRef idx="1">
-            <a:schemeClr val="lt1"/>
-          </a:fillRef>
-          <a:effectRef idx="0">
-            <a:schemeClr val="dk1"/>
-          </a:effectRef>
-          <a:fontRef idx="minor">
-            <a:schemeClr val="dk1"/>
-          </a:fontRef>
-        </p:style>
-        <p:txBody>
-          <a:bodyPr rtlCol="0" anchor="ctr"/>
-          <a:lstStyle/>
-          <a:p>
-            <a:pPr algn="ctr"/>
-            <a:r>
-              <a:rPr lang="en-US" sz="3200" dirty="0" err="1"/>
-              <a:t>libsd</a:t>
-            </a:r>
-            <a:endParaRPr lang="en-US" sz="4800" dirty="0"/>
-          </a:p>
-        </p:txBody>
-      </p:sp>
-      <p:sp>
-        <p:nvSpPr>
-          <p:cNvPr id="17" name="Rectangle 88">
-            <a:extLst>
-              <a:ext uri="{FF2B5EF4-FFF2-40B4-BE49-F238E27FC236}">
-                <a16:creationId xmlns:a16="http://schemas.microsoft.com/office/drawing/2014/main" id="{EA2DD9ED-C664-4A48-9E26-F61D5AC68048}"/>
-              </a:ext>
-            </a:extLst>
-          </p:cNvPr>
-          <p:cNvSpPr/>
-          <p:nvPr/>
-        </p:nvSpPr>
-        <p:spPr>
-          <a:xfrm>
-            <a:off x="5272791" y="6054608"/>
+            <a:off x="6469449" y="6043264"/>
             <a:ext cx="1799354" cy="465531"/>
           </a:xfrm>
           <a:prstGeom prst="rect">
@@ -4090,71 +4156,19 @@
       </p:sp>
       <p:sp>
         <p:nvSpPr>
-          <p:cNvPr id="18" name="文本框 101">
-            <a:extLst>
-              <a:ext uri="{FF2B5EF4-FFF2-40B4-BE49-F238E27FC236}">
-                <a16:creationId xmlns:a16="http://schemas.microsoft.com/office/drawing/2014/main" id="{868914E2-E235-4FF3-8C14-9819DF92923D}"/>
-              </a:ext>
-            </a:extLst>
-          </p:cNvPr>
-          <p:cNvSpPr txBox="1"/>
+          <p:cNvPr id="22" name="Rectangle 89">
+            <a:extLst>
+              <a:ext uri="{FF2B5EF4-FFF2-40B4-BE49-F238E27FC236}">
+                <a16:creationId xmlns:a16="http://schemas.microsoft.com/office/drawing/2014/main" id="{4E25DC97-D69C-4548-9BE4-BF90695B67EB}"/>
+              </a:ext>
+            </a:extLst>
+          </p:cNvPr>
+          <p:cNvSpPr/>
           <p:nvPr/>
         </p:nvSpPr>
         <p:spPr>
           <a:xfrm>
-            <a:off x="5476144" y="4990613"/>
-            <a:ext cx="1749134" cy="400110"/>
-          </a:xfrm>
-          <a:prstGeom prst="rect">
-            <a:avLst/>
-          </a:prstGeom>
-          <a:ln>
-            <a:noFill/>
-          </a:ln>
-        </p:spPr>
-        <p:style>
-          <a:lnRef idx="2">
-            <a:schemeClr val="dk1"/>
-          </a:lnRef>
-          <a:fillRef idx="1">
-            <a:schemeClr val="lt1"/>
-          </a:fillRef>
-          <a:effectRef idx="0">
-            <a:schemeClr val="dk1"/>
-          </a:effectRef>
-          <a:fontRef idx="minor">
-            <a:schemeClr val="dk1"/>
-          </a:fontRef>
-        </p:style>
-        <p:txBody>
-          <a:bodyPr wrap="square" rtlCol="0">
-            <a:spAutoFit/>
-          </a:bodyPr>
-          <a:lstStyle/>
-          <a:p>
-            <a:pPr algn="r"/>
-            <a:r>
-              <a:rPr kumimoji="1" lang="en-US" altLang="zh-CN" sz="2000" dirty="0"/>
-              <a:t>Host 4</a:t>
-            </a:r>
-          </a:p>
-        </p:txBody>
-      </p:sp>
-      <p:sp>
-        <p:nvSpPr>
-          <p:cNvPr id="22" name="Rectangle 89">
-            <a:extLst>
-              <a:ext uri="{FF2B5EF4-FFF2-40B4-BE49-F238E27FC236}">
-                <a16:creationId xmlns:a16="http://schemas.microsoft.com/office/drawing/2014/main" id="{4E25DC97-D69C-4548-9BE4-BF90695B67EB}"/>
-              </a:ext>
-            </a:extLst>
-          </p:cNvPr>
-          <p:cNvSpPr/>
-          <p:nvPr/>
-        </p:nvSpPr>
-        <p:spPr>
-          <a:xfrm>
-            <a:off x="5272791" y="5381004"/>
+            <a:off x="6469449" y="5369659"/>
             <a:ext cx="1799354" cy="674354"/>
           </a:xfrm>
           <a:prstGeom prst="rect">
@@ -4183,7 +4197,7 @@
             <a:pPr algn="ctr"/>
             <a:r>
               <a:rPr lang="en-US" sz="2400" dirty="0"/>
-              <a:t>TCP client</a:t>
+              <a:t>Kernel TCP</a:t>
             </a:r>
             <a:endParaRPr lang="en-US" sz="4000" dirty="0"/>
           </a:p>
@@ -4191,10 +4205,10 @@
       </p:sp>
       <p:sp>
         <p:nvSpPr>
-          <p:cNvPr id="23" name="Rectangle 97">
-            <a:extLst>
-              <a:ext uri="{FF2B5EF4-FFF2-40B4-BE49-F238E27FC236}">
-                <a16:creationId xmlns:a16="http://schemas.microsoft.com/office/drawing/2014/main" id="{438C3DCA-F426-4FE1-8798-29FF1FD9B06E}"/>
+          <p:cNvPr id="25" name="Rectangle 89">
+            <a:extLst>
+              <a:ext uri="{FF2B5EF4-FFF2-40B4-BE49-F238E27FC236}">
+                <a16:creationId xmlns:a16="http://schemas.microsoft.com/office/drawing/2014/main" id="{3FBE0E78-AA5F-4833-A98A-F5BDAFAAD3B8}"/>
               </a:ext>
             </a:extLst>
           </p:cNvPr>
@@ -4202,9 +4216,9 @@
           <p:nvPr/>
         </p:nvSpPr>
         <p:spPr>
-          <a:xfrm rot="-2100000">
-            <a:off x="2930739" y="3201878"/>
-            <a:ext cx="306721" cy="2480875"/>
+          <a:xfrm>
+            <a:off x="6167621" y="3589999"/>
+            <a:ext cx="968318" cy="539857"/>
           </a:xfrm>
           <a:prstGeom prst="rect">
             <a:avLst/>
@@ -4226,23 +4240,24 @@
           </a:fontRef>
         </p:style>
         <p:txBody>
-          <a:bodyPr vert="eaVert" rtlCol="0" anchor="ctr"/>
+          <a:bodyPr rtlCol="0" anchor="ctr"/>
           <a:lstStyle/>
           <a:p>
             <a:pPr algn="ctr"/>
             <a:r>
-              <a:rPr lang="en-US" sz="2400" b="1" dirty="0"/>
-              <a:t>RDMA queue</a:t>
-            </a:r>
-          </a:p>
-        </p:txBody>
-      </p:sp>
-      <p:sp>
-        <p:nvSpPr>
-          <p:cNvPr id="25" name="Rectangle 89">
-            <a:extLst>
-              <a:ext uri="{FF2B5EF4-FFF2-40B4-BE49-F238E27FC236}">
-                <a16:creationId xmlns:a16="http://schemas.microsoft.com/office/drawing/2014/main" id="{3FBE0E78-AA5F-4833-A98A-F5BDAFAAD3B8}"/>
+              <a:rPr lang="en-US" sz="2400" dirty="0"/>
+              <a:t>TCP</a:t>
+            </a:r>
+            <a:endParaRPr lang="en-US" sz="4000" dirty="0"/>
+          </a:p>
+        </p:txBody>
+      </p:sp>
+      <p:sp>
+        <p:nvSpPr>
+          <p:cNvPr id="26" name="Rectangle 97">
+            <a:extLst>
+              <a:ext uri="{FF2B5EF4-FFF2-40B4-BE49-F238E27FC236}">
+                <a16:creationId xmlns:a16="http://schemas.microsoft.com/office/drawing/2014/main" id="{27287B75-BDED-4F33-8833-F89B8B5B0C8A}"/>
               </a:ext>
             </a:extLst>
           </p:cNvPr>
@@ -4251,8 +4266,8 @@
         </p:nvSpPr>
         <p:spPr>
           <a:xfrm>
-            <a:off x="5264964" y="3592099"/>
-            <a:ext cx="1799354" cy="674354"/>
+            <a:off x="6607353" y="4059231"/>
+            <a:ext cx="380193" cy="1411397"/>
           </a:xfrm>
           <a:prstGeom prst="rect">
             <a:avLst/>
@@ -4274,24 +4289,23 @@
           </a:fontRef>
         </p:style>
         <p:txBody>
-          <a:bodyPr rtlCol="0" anchor="ctr"/>
+          <a:bodyPr vert="eaVert" rtlCol="0" anchor="ctr"/>
           <a:lstStyle/>
           <a:p>
             <a:pPr algn="ctr"/>
             <a:r>
-              <a:rPr lang="en-US" sz="2400" dirty="0"/>
-              <a:t>TCP server</a:t>
-            </a:r>
-            <a:endParaRPr lang="en-US" sz="4000" dirty="0"/>
-          </a:p>
-        </p:txBody>
-      </p:sp>
-      <p:sp>
-        <p:nvSpPr>
-          <p:cNvPr id="26" name="Rectangle 97">
-            <a:extLst>
-              <a:ext uri="{FF2B5EF4-FFF2-40B4-BE49-F238E27FC236}">
-                <a16:creationId xmlns:a16="http://schemas.microsoft.com/office/drawing/2014/main" id="{27287B75-BDED-4F33-8833-F89B8B5B0C8A}"/>
+              <a:rPr lang="en-US" sz="2400" b="1" dirty="0"/>
+              <a:t>TCP/IP</a:t>
+            </a:r>
+          </a:p>
+        </p:txBody>
+      </p:sp>
+      <p:sp>
+        <p:nvSpPr>
+          <p:cNvPr id="28" name="Rectangle 97">
+            <a:extLst>
+              <a:ext uri="{FF2B5EF4-FFF2-40B4-BE49-F238E27FC236}">
+                <a16:creationId xmlns:a16="http://schemas.microsoft.com/office/drawing/2014/main" id="{4E7FB5F5-EF71-44B6-92FA-8B27635DC3B2}"/>
               </a:ext>
             </a:extLst>
           </p:cNvPr>
@@ -4300,8 +4314,8 @@
         </p:nvSpPr>
         <p:spPr>
           <a:xfrm>
-            <a:off x="5930973" y="4136482"/>
-            <a:ext cx="447865" cy="1385511"/>
+            <a:off x="2794018" y="2370154"/>
+            <a:ext cx="5954389" cy="354276"/>
           </a:xfrm>
           <a:prstGeom prst="rect">
             <a:avLst/>
@@ -4323,87 +4337,37 @@
           </a:fontRef>
         </p:style>
         <p:txBody>
-          <a:bodyPr vert="eaVert" rtlCol="0" anchor="ctr"/>
+          <a:bodyPr rtlCol="0" anchor="ctr"/>
           <a:lstStyle/>
           <a:p>
             <a:pPr algn="ctr"/>
             <a:r>
+              <a:rPr lang="en-US" sz="2400" b="1" dirty="0" err="1"/>
+              <a:t>shm</a:t>
+            </a:r>
+            <a:r>
               <a:rPr lang="en-US" sz="2400" b="1" dirty="0"/>
-              <a:t>pkt queue</a:t>
-            </a:r>
-          </a:p>
-        </p:txBody>
-      </p:sp>
-      <p:sp>
-        <p:nvSpPr>
-          <p:cNvPr id="27" name="文本框 112">
-            <a:extLst>
-              <a:ext uri="{FF2B5EF4-FFF2-40B4-BE49-F238E27FC236}">
-                <a16:creationId xmlns:a16="http://schemas.microsoft.com/office/drawing/2014/main" id="{B39D89B7-EC03-4F36-B8FA-3E2B45F97915}"/>
-              </a:ext>
-            </a:extLst>
-          </p:cNvPr>
-          <p:cNvSpPr txBox="1"/>
+              <a:t> queue</a:t>
+            </a:r>
+          </a:p>
+        </p:txBody>
+      </p:sp>
+      <p:sp>
+        <p:nvSpPr>
+          <p:cNvPr id="35" name="Rectangle 92">
+            <a:extLst>
+              <a:ext uri="{FF2B5EF4-FFF2-40B4-BE49-F238E27FC236}">
+                <a16:creationId xmlns:a16="http://schemas.microsoft.com/office/drawing/2014/main" id="{3E744446-CB7D-47F0-A8C8-85D6226CFEBC}"/>
+              </a:ext>
+            </a:extLst>
+          </p:cNvPr>
+          <p:cNvSpPr/>
           <p:nvPr/>
         </p:nvSpPr>
         <p:spPr>
           <a:xfrm>
-            <a:off x="10179457" y="4353799"/>
-            <a:ext cx="1282700" cy="400110"/>
-          </a:xfrm>
-          <a:prstGeom prst="rect">
-            <a:avLst/>
-          </a:prstGeom>
-          <a:noFill/>
-          <a:ln>
-            <a:noFill/>
-          </a:ln>
-        </p:spPr>
-        <p:style>
-          <a:lnRef idx="0">
-            <a:scrgbClr r="0" g="0" b="0"/>
-          </a:lnRef>
-          <a:fillRef idx="0">
-            <a:scrgbClr r="0" g="0" b="0"/>
-          </a:fillRef>
-          <a:effectRef idx="0">
-            <a:scrgbClr r="0" g="0" b="0"/>
-          </a:effectRef>
-          <a:fontRef idx="minor">
-            <a:schemeClr val="dk1"/>
-          </a:fontRef>
-        </p:style>
-        <p:txBody>
-          <a:bodyPr wrap="square" rtlCol="0">
-            <a:spAutoFit/>
-          </a:bodyPr>
-          <a:lstStyle/>
-          <a:p>
-            <a:pPr algn="r"/>
-            <a:r>
-              <a:rPr kumimoji="1" lang="en-US" altLang="zh-CN" sz="2000" dirty="0"/>
-              <a:t>Host 1</a:t>
-            </a:r>
-            <a:endParaRPr kumimoji="1" lang="zh-CN" altLang="en-US" sz="2000" dirty="0"/>
-          </a:p>
-        </p:txBody>
-      </p:sp>
-      <p:sp>
-        <p:nvSpPr>
-          <p:cNvPr id="28" name="Rectangle 97">
-            <a:extLst>
-              <a:ext uri="{FF2B5EF4-FFF2-40B4-BE49-F238E27FC236}">
-                <a16:creationId xmlns:a16="http://schemas.microsoft.com/office/drawing/2014/main" id="{4E7FB5F5-EF71-44B6-92FA-8B27635DC3B2}"/>
-              </a:ext>
-            </a:extLst>
-          </p:cNvPr>
-          <p:cNvSpPr/>
-          <p:nvPr/>
-        </p:nvSpPr>
-        <p:spPr>
-          <a:xfrm>
-            <a:off x="2794018" y="2370154"/>
-            <a:ext cx="6812689" cy="354276"/>
+            <a:off x="4247185" y="5383950"/>
+            <a:ext cx="1627779" cy="721104"/>
           </a:xfrm>
           <a:prstGeom prst="rect">
             <a:avLst/>
@@ -4425,27 +4389,27 @@
           </a:fontRef>
         </p:style>
         <p:txBody>
-          <a:bodyPr rtlCol="0" anchor="ctr"/>
-          <a:lstStyle/>
-          <a:p>
-            <a:pPr algn="ctr"/>
-            <a:r>
-              <a:rPr lang="en-US" sz="2400" b="1" dirty="0" err="1"/>
-              <a:t>shm</a:t>
-            </a:r>
-            <a:r>
-              <a:rPr lang="en-US" sz="2400" b="1" dirty="0"/>
-              <a:t> queue</a:t>
-            </a:r>
-          </a:p>
-        </p:txBody>
-      </p:sp>
-      <p:sp>
-        <p:nvSpPr>
-          <p:cNvPr id="29" name="Rectangle 88">
-            <a:extLst>
-              <a:ext uri="{FF2B5EF4-FFF2-40B4-BE49-F238E27FC236}">
-                <a16:creationId xmlns:a16="http://schemas.microsoft.com/office/drawing/2014/main" id="{CC11CAF1-301E-488E-A632-B2E9BB217196}"/>
+          <a:bodyPr rtlCol="0" anchor="t"/>
+          <a:lstStyle/>
+          <a:p>
+            <a:pPr algn="ctr">
+              <a:lnSpc>
+                <a:spcPts val="4000"/>
+              </a:lnSpc>
+            </a:pPr>
+            <a:r>
+              <a:rPr lang="en-US" sz="2400" dirty="0"/>
+              <a:t>Monitor</a:t>
+            </a:r>
+          </a:p>
+        </p:txBody>
+      </p:sp>
+      <p:sp>
+        <p:nvSpPr>
+          <p:cNvPr id="33" name="Rectangle 97">
+            <a:extLst>
+              <a:ext uri="{FF2B5EF4-FFF2-40B4-BE49-F238E27FC236}">
+                <a16:creationId xmlns:a16="http://schemas.microsoft.com/office/drawing/2014/main" id="{60C9EDFC-7301-48E5-BDAF-3F898A8B1E18}"/>
               </a:ext>
             </a:extLst>
           </p:cNvPr>
@@ -4454,8 +4418,8 @@
         </p:nvSpPr>
         <p:spPr>
           <a:xfrm>
-            <a:off x="9399708" y="6073298"/>
-            <a:ext cx="1897336" cy="465531"/>
+            <a:off x="4910775" y="3487422"/>
+            <a:ext cx="380193" cy="1996149"/>
           </a:xfrm>
           <a:prstGeom prst="rect">
             <a:avLst/>
@@ -4477,85 +4441,33 @@
           </a:fontRef>
         </p:style>
         <p:txBody>
-          <a:bodyPr rtlCol="0" anchor="t"/>
+          <a:bodyPr vert="eaVert" rtlCol="0" anchor="ctr"/>
           <a:lstStyle/>
           <a:p>
             <a:pPr algn="ctr"/>
             <a:r>
-              <a:rPr lang="en-US" sz="2400" dirty="0"/>
-              <a:t>Application</a:t>
-            </a:r>
-          </a:p>
-        </p:txBody>
-      </p:sp>
-      <p:sp>
-        <p:nvSpPr>
-          <p:cNvPr id="30" name="文本框 101">
-            <a:extLst>
-              <a:ext uri="{FF2B5EF4-FFF2-40B4-BE49-F238E27FC236}">
-                <a16:creationId xmlns:a16="http://schemas.microsoft.com/office/drawing/2014/main" id="{461AD8D3-ACE5-4E45-A5DF-6C91C2650993}"/>
-              </a:ext>
-            </a:extLst>
-          </p:cNvPr>
-          <p:cNvSpPr txBox="1"/>
+              <a:rPr lang="en-US" sz="2400" b="1" dirty="0"/>
+              <a:t>RDMA queue</a:t>
+            </a:r>
+          </a:p>
+        </p:txBody>
+      </p:sp>
+      <p:sp>
+        <p:nvSpPr>
+          <p:cNvPr id="36" name="Rectangle 97">
+            <a:extLst>
+              <a:ext uri="{FF2B5EF4-FFF2-40B4-BE49-F238E27FC236}">
+                <a16:creationId xmlns:a16="http://schemas.microsoft.com/office/drawing/2014/main" id="{7EFBD1CE-0417-4661-9754-25E5FE4F660C}"/>
+              </a:ext>
+            </a:extLst>
+          </p:cNvPr>
+          <p:cNvSpPr/>
           <p:nvPr/>
         </p:nvSpPr>
         <p:spPr>
           <a:xfrm>
-            <a:off x="9713023" y="4969549"/>
-            <a:ext cx="1749134" cy="400110"/>
-          </a:xfrm>
-          <a:prstGeom prst="rect">
-            <a:avLst/>
-          </a:prstGeom>
-          <a:ln>
-            <a:noFill/>
-          </a:ln>
-        </p:spPr>
-        <p:style>
-          <a:lnRef idx="2">
-            <a:schemeClr val="dk1"/>
-          </a:lnRef>
-          <a:fillRef idx="1">
-            <a:schemeClr val="lt1"/>
-          </a:fillRef>
-          <a:effectRef idx="0">
-            <a:schemeClr val="dk1"/>
-          </a:effectRef>
-          <a:fontRef idx="minor">
-            <a:schemeClr val="dk1"/>
-          </a:fontRef>
-        </p:style>
-        <p:txBody>
-          <a:bodyPr wrap="square" rtlCol="0">
-            <a:spAutoFit/>
-          </a:bodyPr>
-          <a:lstStyle/>
-          <a:p>
-            <a:pPr algn="r"/>
-            <a:r>
-              <a:rPr kumimoji="1" lang="en-US" altLang="zh-CN" sz="2000" dirty="0"/>
-              <a:t>Host 5</a:t>
-            </a:r>
-          </a:p>
-        </p:txBody>
-      </p:sp>
-      <p:sp>
-        <p:nvSpPr>
-          <p:cNvPr id="31" name="Rectangle 89">
-            <a:extLst>
-              <a:ext uri="{FF2B5EF4-FFF2-40B4-BE49-F238E27FC236}">
-                <a16:creationId xmlns:a16="http://schemas.microsoft.com/office/drawing/2014/main" id="{394A2DCF-A89B-4937-BBCA-0835ADFDA902}"/>
-              </a:ext>
-            </a:extLst>
-          </p:cNvPr>
-          <p:cNvSpPr/>
-          <p:nvPr/>
-        </p:nvSpPr>
-        <p:spPr>
-          <a:xfrm>
-            <a:off x="9399708" y="5399694"/>
-            <a:ext cx="1897335" cy="674354"/>
+            <a:off x="2629658" y="5541121"/>
+            <a:ext cx="1799354" cy="354276"/>
           </a:xfrm>
           <a:prstGeom prst="rect">
             <a:avLst/>
@@ -4582,106 +4494,12 @@
           <a:p>
             <a:pPr algn="ctr"/>
             <a:r>
-              <a:rPr lang="en-US" sz="2400" dirty="0"/>
-              <a:t>TCP server</a:t>
-            </a:r>
-            <a:endParaRPr lang="en-US" sz="4000" dirty="0"/>
-          </a:p>
-        </p:txBody>
-      </p:sp>
-      <p:sp>
-        <p:nvSpPr>
-          <p:cNvPr id="32" name="Rectangle 89">
-            <a:extLst>
-              <a:ext uri="{FF2B5EF4-FFF2-40B4-BE49-F238E27FC236}">
-                <a16:creationId xmlns:a16="http://schemas.microsoft.com/office/drawing/2014/main" id="{AF612A73-B7B0-4BF5-9623-1697563113FD}"/>
-              </a:ext>
-            </a:extLst>
-          </p:cNvPr>
-          <p:cNvSpPr/>
-          <p:nvPr/>
-        </p:nvSpPr>
-        <p:spPr>
-          <a:xfrm>
-            <a:off x="9409897" y="3665724"/>
-            <a:ext cx="1907523" cy="674354"/>
-          </a:xfrm>
-          <a:prstGeom prst="rect">
-            <a:avLst/>
-          </a:prstGeom>
-          <a:ln w="38100"/>
-        </p:spPr>
-        <p:style>
-          <a:lnRef idx="2">
-            <a:schemeClr val="dk1"/>
-          </a:lnRef>
-          <a:fillRef idx="1">
-            <a:schemeClr val="lt1"/>
-          </a:fillRef>
-          <a:effectRef idx="0">
-            <a:schemeClr val="dk1"/>
-          </a:effectRef>
-          <a:fontRef idx="minor">
-            <a:schemeClr val="dk1"/>
-          </a:fontRef>
-        </p:style>
-        <p:txBody>
-          <a:bodyPr rtlCol="0" anchor="ctr"/>
-          <a:lstStyle/>
-          <a:p>
-            <a:pPr algn="ctr"/>
-            <a:r>
-              <a:rPr lang="en-US" sz="2400" dirty="0"/>
-              <a:t>TCP client</a:t>
-            </a:r>
-            <a:endParaRPr lang="en-US" sz="4000" dirty="0"/>
-          </a:p>
-        </p:txBody>
-      </p:sp>
-      <p:sp>
-        <p:nvSpPr>
-          <p:cNvPr id="34" name="Rectangle 97">
-            <a:extLst>
-              <a:ext uri="{FF2B5EF4-FFF2-40B4-BE49-F238E27FC236}">
-                <a16:creationId xmlns:a16="http://schemas.microsoft.com/office/drawing/2014/main" id="{86389356-02B6-43EC-8479-790676E95FE3}"/>
-              </a:ext>
-            </a:extLst>
-          </p:cNvPr>
-          <p:cNvSpPr/>
-          <p:nvPr/>
-        </p:nvSpPr>
-        <p:spPr>
-          <a:xfrm>
-            <a:off x="10139725" y="4177131"/>
-            <a:ext cx="447865" cy="1385511"/>
-          </a:xfrm>
-          <a:prstGeom prst="rect">
-            <a:avLst/>
-          </a:prstGeom>
-          <a:ln w="38100"/>
-        </p:spPr>
-        <p:style>
-          <a:lnRef idx="2">
-            <a:schemeClr val="dk1"/>
-          </a:lnRef>
-          <a:fillRef idx="1">
-            <a:schemeClr val="lt1"/>
-          </a:fillRef>
-          <a:effectRef idx="0">
-            <a:schemeClr val="dk1"/>
-          </a:effectRef>
-          <a:fontRef idx="minor">
-            <a:schemeClr val="dk1"/>
-          </a:fontRef>
-        </p:style>
-        <p:txBody>
-          <a:bodyPr vert="eaVert" rtlCol="0" anchor="ctr"/>
-          <a:lstStyle/>
-          <a:p>
-            <a:pPr algn="ctr"/>
+              <a:rPr lang="en-US" sz="2400" b="1" dirty="0" err="1"/>
+              <a:t>shm</a:t>
+            </a:r>
             <a:r>
               <a:rPr lang="en-US" sz="2400" b="1" dirty="0"/>
-              <a:t>pkt queue</a:t>
+              <a:t> queue</a:t>
             </a:r>
           </a:p>
         </p:txBody>
@@ -4770,26 +4588,35 @@
                                   </p:childTnLst>
                                 </p:cTn>
                               </p:par>
-                            </p:childTnLst>
-                          </p:cTn>
-                        </p:par>
-                      </p:childTnLst>
-                    </p:cTn>
-                  </p:par>
-                  <p:par>
-                    <p:cTn id="9" fill="hold">
-                      <p:stCondLst>
-                        <p:cond delay="indefinite"/>
-                      </p:stCondLst>
-                      <p:childTnLst>
-                        <p:par>
-                          <p:cTn id="10" fill="hold">
-                            <p:stCondLst>
-                              <p:cond delay="0"/>
-                            </p:stCondLst>
-                            <p:childTnLst>
                               <p:par>
-                                <p:cTn id="11" presetID="1" presetClass="entr" presetSubtype="0" fill="hold" grpId="0" nodeType="clickEffect">
+                                <p:cTn id="9" presetID="1" presetClass="entr" presetSubtype="0" fill="hold" grpId="0" nodeType="withEffect">
+                                  <p:stCondLst>
+                                    <p:cond delay="0"/>
+                                  </p:stCondLst>
+                                  <p:childTnLst>
+                                    <p:set>
+                                      <p:cBhvr>
+                                        <p:cTn id="10" dur="1" fill="hold">
+                                          <p:stCondLst>
+                                            <p:cond delay="0"/>
+                                          </p:stCondLst>
+                                        </p:cTn>
+                                        <p:tgtEl>
+                                          <p:spTgt spid="6"/>
+                                        </p:tgtEl>
+                                        <p:attrNameLst>
+                                          <p:attrName>style.visibility</p:attrName>
+                                        </p:attrNameLst>
+                                      </p:cBhvr>
+                                      <p:to>
+                                        <p:strVal val="visible"/>
+                                      </p:to>
+                                    </p:set>
+                                  </p:childTnLst>
+                                </p:cTn>
+                              </p:par>
+                              <p:par>
+                                <p:cTn id="11" presetID="1" presetClass="entr" presetSubtype="0" fill="hold" grpId="0" nodeType="withEffect">
                                   <p:stCondLst>
                                     <p:cond delay="0"/>
                                   </p:stCondLst>
@@ -4802,7 +4629,7 @@
                                           </p:stCondLst>
                                         </p:cTn>
                                         <p:tgtEl>
-                                          <p:spTgt spid="27"/>
+                                          <p:spTgt spid="5"/>
                                         </p:tgtEl>
                                         <p:attrNameLst>
                                           <p:attrName>style.visibility</p:attrName>
@@ -4829,7 +4656,7 @@
                                           </p:stCondLst>
                                         </p:cTn>
                                         <p:tgtEl>
-                                          <p:spTgt spid="6"/>
+                                          <p:spTgt spid="28"/>
                                         </p:tgtEl>
                                         <p:attrNameLst>
                                           <p:attrName>style.visibility</p:attrName>
@@ -4856,60 +4683,6 @@
                                           </p:stCondLst>
                                         </p:cTn>
                                         <p:tgtEl>
-                                          <p:spTgt spid="5"/>
-                                        </p:tgtEl>
-                                        <p:attrNameLst>
-                                          <p:attrName>style.visibility</p:attrName>
-                                        </p:attrNameLst>
-                                      </p:cBhvr>
-                                      <p:to>
-                                        <p:strVal val="visible"/>
-                                      </p:to>
-                                    </p:set>
-                                  </p:childTnLst>
-                                </p:cTn>
-                              </p:par>
-                              <p:par>
-                                <p:cTn id="17" presetID="1" presetClass="entr" presetSubtype="0" fill="hold" grpId="0" nodeType="withEffect">
-                                  <p:stCondLst>
-                                    <p:cond delay="0"/>
-                                  </p:stCondLst>
-                                  <p:childTnLst>
-                                    <p:set>
-                                      <p:cBhvr>
-                                        <p:cTn id="18" dur="1" fill="hold">
-                                          <p:stCondLst>
-                                            <p:cond delay="0"/>
-                                          </p:stCondLst>
-                                        </p:cTn>
-                                        <p:tgtEl>
-                                          <p:spTgt spid="28"/>
-                                        </p:tgtEl>
-                                        <p:attrNameLst>
-                                          <p:attrName>style.visibility</p:attrName>
-                                        </p:attrNameLst>
-                                      </p:cBhvr>
-                                      <p:to>
-                                        <p:strVal val="visible"/>
-                                      </p:to>
-                                    </p:set>
-                                  </p:childTnLst>
-                                </p:cTn>
-                              </p:par>
-                              <p:par>
-                                <p:cTn id="19" presetID="1" presetClass="entr" presetSubtype="0" fill="hold" grpId="0" nodeType="withEffect">
-                                  <p:stCondLst>
-                                    <p:cond delay="0"/>
-                                  </p:stCondLst>
-                                  <p:childTnLst>
-                                    <p:set>
-                                      <p:cBhvr>
-                                        <p:cTn id="20" dur="1" fill="hold">
-                                          <p:stCondLst>
-                                            <p:cond delay="0"/>
-                                          </p:stCondLst>
-                                        </p:cTn>
-                                        <p:tgtEl>
                                           <p:spTgt spid="8"/>
                                         </p:tgtEl>
                                         <p:attrNameLst>
@@ -4930,19 +4703,73 @@
                     </p:cTn>
                   </p:par>
                   <p:par>
-                    <p:cTn id="21" fill="hold">
+                    <p:cTn id="17" fill="hold">
                       <p:stCondLst>
                         <p:cond delay="indefinite"/>
                       </p:stCondLst>
                       <p:childTnLst>
                         <p:par>
-                          <p:cTn id="22" fill="hold">
+                          <p:cTn id="18" fill="hold">
                             <p:stCondLst>
                               <p:cond delay="0"/>
                             </p:stCondLst>
                             <p:childTnLst>
                               <p:par>
-                                <p:cTn id="23" presetID="1" presetClass="entr" presetSubtype="0" fill="hold" grpId="0" nodeType="clickEffect">
+                                <p:cTn id="19" presetID="1" presetClass="entr" presetSubtype="0" fill="hold" grpId="0" nodeType="clickEffect">
+                                  <p:stCondLst>
+                                    <p:cond delay="0"/>
+                                  </p:stCondLst>
+                                  <p:childTnLst>
+                                    <p:set>
+                                      <p:cBhvr>
+                                        <p:cTn id="20" dur="1" fill="hold">
+                                          <p:stCondLst>
+                                            <p:cond delay="0"/>
+                                          </p:stCondLst>
+                                        </p:cTn>
+                                        <p:tgtEl>
+                                          <p:spTgt spid="13"/>
+                                        </p:tgtEl>
+                                        <p:attrNameLst>
+                                          <p:attrName>style.visibility</p:attrName>
+                                        </p:attrNameLst>
+                                      </p:cBhvr>
+                                      <p:to>
+                                        <p:strVal val="visible"/>
+                                      </p:to>
+                                    </p:set>
+                                  </p:childTnLst>
+                                </p:cTn>
+                              </p:par>
+                              <p:par>
+                                <p:cTn id="21" presetID="1" presetClass="entr" presetSubtype="0" fill="hold" grpId="0" nodeType="withEffect">
+                                  <p:stCondLst>
+                                    <p:cond delay="0"/>
+                                  </p:stCondLst>
+                                  <p:childTnLst>
+                                    <p:set>
+                                      <p:cBhvr>
+                                        <p:cTn id="22" dur="1" fill="hold">
+                                          <p:stCondLst>
+                                            <p:cond delay="0"/>
+                                          </p:stCondLst>
+                                        </p:cTn>
+                                        <p:tgtEl>
+                                          <p:spTgt spid="10"/>
+                                        </p:tgtEl>
+                                        <p:attrNameLst>
+                                          <p:attrName>style.visibility</p:attrName>
+                                        </p:attrNameLst>
+                                      </p:cBhvr>
+                                      <p:to>
+                                        <p:strVal val="visible"/>
+                                      </p:to>
+                                    </p:set>
+                                  </p:childTnLst>
+                                </p:cTn>
+                              </p:par>
+                              <p:par>
+                                <p:cTn id="23" presetID="1" presetClass="entr" presetSubtype="0" fill="hold" grpId="0" nodeType="withEffect">
                                   <p:stCondLst>
                                     <p:cond delay="0"/>
                                   </p:stCondLst>
@@ -4955,7 +4782,7 @@
                                           </p:stCondLst>
                                         </p:cTn>
                                         <p:tgtEl>
-                                          <p:spTgt spid="13"/>
+                                          <p:spTgt spid="9"/>
                                         </p:tgtEl>
                                         <p:attrNameLst>
                                           <p:attrName>style.visibility</p:attrName>
@@ -4982,60 +4809,6 @@
                                           </p:stCondLst>
                                         </p:cTn>
                                         <p:tgtEl>
-                                          <p:spTgt spid="10"/>
-                                        </p:tgtEl>
-                                        <p:attrNameLst>
-                                          <p:attrName>style.visibility</p:attrName>
-                                        </p:attrNameLst>
-                                      </p:cBhvr>
-                                      <p:to>
-                                        <p:strVal val="visible"/>
-                                      </p:to>
-                                    </p:set>
-                                  </p:childTnLst>
-                                </p:cTn>
-                              </p:par>
-                              <p:par>
-                                <p:cTn id="27" presetID="1" presetClass="entr" presetSubtype="0" fill="hold" grpId="0" nodeType="withEffect">
-                                  <p:stCondLst>
-                                    <p:cond delay="0"/>
-                                  </p:stCondLst>
-                                  <p:childTnLst>
-                                    <p:set>
-                                      <p:cBhvr>
-                                        <p:cTn id="28" dur="1" fill="hold">
-                                          <p:stCondLst>
-                                            <p:cond delay="0"/>
-                                          </p:stCondLst>
-                                        </p:cTn>
-                                        <p:tgtEl>
-                                          <p:spTgt spid="9"/>
-                                        </p:tgtEl>
-                                        <p:attrNameLst>
-                                          <p:attrName>style.visibility</p:attrName>
-                                        </p:attrNameLst>
-                                      </p:cBhvr>
-                                      <p:to>
-                                        <p:strVal val="visible"/>
-                                      </p:to>
-                                    </p:set>
-                                  </p:childTnLst>
-                                </p:cTn>
-                              </p:par>
-                              <p:par>
-                                <p:cTn id="29" presetID="1" presetClass="entr" presetSubtype="0" fill="hold" grpId="0" nodeType="withEffect">
-                                  <p:stCondLst>
-                                    <p:cond delay="0"/>
-                                  </p:stCondLst>
-                                  <p:childTnLst>
-                                    <p:set>
-                                      <p:cBhvr>
-                                        <p:cTn id="30" dur="1" fill="hold">
-                                          <p:stCondLst>
-                                            <p:cond delay="0"/>
-                                          </p:stCondLst>
-                                        </p:cTn>
-                                        <p:tgtEl>
                                           <p:spTgt spid="12"/>
                                         </p:tgtEl>
                                         <p:attrNameLst>
@@ -5056,19 +4829,73 @@
                     </p:cTn>
                   </p:par>
                   <p:par>
-                    <p:cTn id="31" fill="hold">
+                    <p:cTn id="27" fill="hold">
                       <p:stCondLst>
                         <p:cond delay="indefinite"/>
                       </p:stCondLst>
                       <p:childTnLst>
                         <p:par>
-                          <p:cTn id="32" fill="hold">
+                          <p:cTn id="28" fill="hold">
                             <p:stCondLst>
                               <p:cond delay="0"/>
                             </p:stCondLst>
                             <p:childTnLst>
                               <p:par>
-                                <p:cTn id="33" presetID="1" presetClass="entr" presetSubtype="0" fill="hold" grpId="0" nodeType="clickEffect">
+                                <p:cTn id="29" presetID="1" presetClass="entr" presetSubtype="0" fill="hold" grpId="0" nodeType="clickEffect">
+                                  <p:stCondLst>
+                                    <p:cond delay="0"/>
+                                  </p:stCondLst>
+                                  <p:childTnLst>
+                                    <p:set>
+                                      <p:cBhvr>
+                                        <p:cTn id="30" dur="1" fill="hold">
+                                          <p:stCondLst>
+                                            <p:cond delay="0"/>
+                                          </p:stCondLst>
+                                        </p:cTn>
+                                        <p:tgtEl>
+                                          <p:spTgt spid="25"/>
+                                        </p:tgtEl>
+                                        <p:attrNameLst>
+                                          <p:attrName>style.visibility</p:attrName>
+                                        </p:attrNameLst>
+                                      </p:cBhvr>
+                                      <p:to>
+                                        <p:strVal val="visible"/>
+                                      </p:to>
+                                    </p:set>
+                                  </p:childTnLst>
+                                </p:cTn>
+                              </p:par>
+                              <p:par>
+                                <p:cTn id="31" presetID="1" presetClass="entr" presetSubtype="0" fill="hold" grpId="0" nodeType="withEffect">
+                                  <p:stCondLst>
+                                    <p:cond delay="0"/>
+                                  </p:stCondLst>
+                                  <p:childTnLst>
+                                    <p:set>
+                                      <p:cBhvr>
+                                        <p:cTn id="32" dur="1" fill="hold">
+                                          <p:stCondLst>
+                                            <p:cond delay="0"/>
+                                          </p:stCondLst>
+                                        </p:cTn>
+                                        <p:tgtEl>
+                                          <p:spTgt spid="26"/>
+                                        </p:tgtEl>
+                                        <p:attrNameLst>
+                                          <p:attrName>style.visibility</p:attrName>
+                                        </p:attrNameLst>
+                                      </p:cBhvr>
+                                      <p:to>
+                                        <p:strVal val="visible"/>
+                                      </p:to>
+                                    </p:set>
+                                  </p:childTnLst>
+                                </p:cTn>
+                              </p:par>
+                              <p:par>
+                                <p:cTn id="33" presetID="1" presetClass="entr" presetSubtype="0" fill="hold" grpId="0" nodeType="withEffect">
                                   <p:stCondLst>
                                     <p:cond delay="0"/>
                                   </p:stCondLst>
@@ -5081,7 +4908,7 @@
                                           </p:stCondLst>
                                         </p:cTn>
                                         <p:tgtEl>
-                                          <p:spTgt spid="23"/>
+                                          <p:spTgt spid="22"/>
                                         </p:tgtEl>
                                         <p:attrNameLst>
                                           <p:attrName>style.visibility</p:attrName>
@@ -5108,7 +4935,7 @@
                                           </p:stCondLst>
                                         </p:cTn>
                                         <p:tgtEl>
-                                          <p:spTgt spid="15"/>
+                                          <p:spTgt spid="17"/>
                                         </p:tgtEl>
                                         <p:attrNameLst>
                                           <p:attrName>style.visibility</p:attrName>
@@ -5135,186 +4962,6 @@
                                           </p:stCondLst>
                                         </p:cTn>
                                         <p:tgtEl>
-                                          <p:spTgt spid="14"/>
-                                        </p:tgtEl>
-                                        <p:attrNameLst>
-                                          <p:attrName>style.visibility</p:attrName>
-                                        </p:attrNameLst>
-                                      </p:cBhvr>
-                                      <p:to>
-                                        <p:strVal val="visible"/>
-                                      </p:to>
-                                    </p:set>
-                                  </p:childTnLst>
-                                </p:cTn>
-                              </p:par>
-                              <p:par>
-                                <p:cTn id="39" presetID="1" presetClass="entr" presetSubtype="0" fill="hold" grpId="0" nodeType="withEffect">
-                                  <p:stCondLst>
-                                    <p:cond delay="0"/>
-                                  </p:stCondLst>
-                                  <p:childTnLst>
-                                    <p:set>
-                                      <p:cBhvr>
-                                        <p:cTn id="40" dur="1" fill="hold">
-                                          <p:stCondLst>
-                                            <p:cond delay="0"/>
-                                          </p:stCondLst>
-                                        </p:cTn>
-                                        <p:tgtEl>
-                                          <p:spTgt spid="16"/>
-                                        </p:tgtEl>
-                                        <p:attrNameLst>
-                                          <p:attrName>style.visibility</p:attrName>
-                                        </p:attrNameLst>
-                                      </p:cBhvr>
-                                      <p:to>
-                                        <p:strVal val="visible"/>
-                                      </p:to>
-                                    </p:set>
-                                  </p:childTnLst>
-                                </p:cTn>
-                              </p:par>
-                            </p:childTnLst>
-                          </p:cTn>
-                        </p:par>
-                      </p:childTnLst>
-                    </p:cTn>
-                  </p:par>
-                  <p:par>
-                    <p:cTn id="41" fill="hold">
-                      <p:stCondLst>
-                        <p:cond delay="indefinite"/>
-                      </p:stCondLst>
-                      <p:childTnLst>
-                        <p:par>
-                          <p:cTn id="42" fill="hold">
-                            <p:stCondLst>
-                              <p:cond delay="0"/>
-                            </p:stCondLst>
-                            <p:childTnLst>
-                              <p:par>
-                                <p:cTn id="43" presetID="1" presetClass="entr" presetSubtype="0" fill="hold" grpId="0" nodeType="clickEffect">
-                                  <p:stCondLst>
-                                    <p:cond delay="0"/>
-                                  </p:stCondLst>
-                                  <p:childTnLst>
-                                    <p:set>
-                                      <p:cBhvr>
-                                        <p:cTn id="44" dur="1" fill="hold">
-                                          <p:stCondLst>
-                                            <p:cond delay="0"/>
-                                          </p:stCondLst>
-                                        </p:cTn>
-                                        <p:tgtEl>
-                                          <p:spTgt spid="25"/>
-                                        </p:tgtEl>
-                                        <p:attrNameLst>
-                                          <p:attrName>style.visibility</p:attrName>
-                                        </p:attrNameLst>
-                                      </p:cBhvr>
-                                      <p:to>
-                                        <p:strVal val="visible"/>
-                                      </p:to>
-                                    </p:set>
-                                  </p:childTnLst>
-                                </p:cTn>
-                              </p:par>
-                              <p:par>
-                                <p:cTn id="45" presetID="1" presetClass="entr" presetSubtype="0" fill="hold" grpId="0" nodeType="withEffect">
-                                  <p:stCondLst>
-                                    <p:cond delay="0"/>
-                                  </p:stCondLst>
-                                  <p:childTnLst>
-                                    <p:set>
-                                      <p:cBhvr>
-                                        <p:cTn id="46" dur="1" fill="hold">
-                                          <p:stCondLst>
-                                            <p:cond delay="0"/>
-                                          </p:stCondLst>
-                                        </p:cTn>
-                                        <p:tgtEl>
-                                          <p:spTgt spid="26"/>
-                                        </p:tgtEl>
-                                        <p:attrNameLst>
-                                          <p:attrName>style.visibility</p:attrName>
-                                        </p:attrNameLst>
-                                      </p:cBhvr>
-                                      <p:to>
-                                        <p:strVal val="visible"/>
-                                      </p:to>
-                                    </p:set>
-                                  </p:childTnLst>
-                                </p:cTn>
-                              </p:par>
-                              <p:par>
-                                <p:cTn id="47" presetID="1" presetClass="entr" presetSubtype="0" fill="hold" grpId="0" nodeType="withEffect">
-                                  <p:stCondLst>
-                                    <p:cond delay="0"/>
-                                  </p:stCondLst>
-                                  <p:childTnLst>
-                                    <p:set>
-                                      <p:cBhvr>
-                                        <p:cTn id="48" dur="1" fill="hold">
-                                          <p:stCondLst>
-                                            <p:cond delay="0"/>
-                                          </p:stCondLst>
-                                        </p:cTn>
-                                        <p:tgtEl>
-                                          <p:spTgt spid="22"/>
-                                        </p:tgtEl>
-                                        <p:attrNameLst>
-                                          <p:attrName>style.visibility</p:attrName>
-                                        </p:attrNameLst>
-                                      </p:cBhvr>
-                                      <p:to>
-                                        <p:strVal val="visible"/>
-                                      </p:to>
-                                    </p:set>
-                                  </p:childTnLst>
-                                </p:cTn>
-                              </p:par>
-                              <p:par>
-                                <p:cTn id="49" presetID="1" presetClass="entr" presetSubtype="0" fill="hold" grpId="0" nodeType="withEffect">
-                                  <p:stCondLst>
-                                    <p:cond delay="0"/>
-                                  </p:stCondLst>
-                                  <p:childTnLst>
-                                    <p:set>
-                                      <p:cBhvr>
-                                        <p:cTn id="50" dur="1" fill="hold">
-                                          <p:stCondLst>
-                                            <p:cond delay="0"/>
-                                          </p:stCondLst>
-                                        </p:cTn>
-                                        <p:tgtEl>
-                                          <p:spTgt spid="17"/>
-                                        </p:tgtEl>
-                                        <p:attrNameLst>
-                                          <p:attrName>style.visibility</p:attrName>
-                                        </p:attrNameLst>
-                                      </p:cBhvr>
-                                      <p:to>
-                                        <p:strVal val="visible"/>
-                                      </p:to>
-                                    </p:set>
-                                  </p:childTnLst>
-                                </p:cTn>
-                              </p:par>
-                              <p:par>
-                                <p:cTn id="51" presetID="1" presetClass="entr" presetSubtype="0" fill="hold" grpId="0" nodeType="withEffect">
-                                  <p:stCondLst>
-                                    <p:cond delay="0"/>
-                                  </p:stCondLst>
-                                  <p:childTnLst>
-                                    <p:set>
-                                      <p:cBhvr>
-                                        <p:cTn id="52" dur="1" fill="hold">
-                                          <p:stCondLst>
-                                            <p:cond delay="0"/>
-                                          </p:stCondLst>
-                                        </p:cTn>
-                                        <p:tgtEl>
                                           <p:spTgt spid="18"/>
                                         </p:tgtEl>
                                         <p:attrNameLst>
@@ -5335,32 +4982,32 @@
                     </p:cTn>
                   </p:par>
                   <p:par>
-                    <p:cTn id="53" fill="hold">
+                    <p:cTn id="39" fill="hold">
                       <p:stCondLst>
                         <p:cond delay="indefinite"/>
                       </p:stCondLst>
                       <p:childTnLst>
                         <p:par>
-                          <p:cTn id="54" fill="hold">
+                          <p:cTn id="40" fill="hold">
                             <p:stCondLst>
                               <p:cond delay="0"/>
                             </p:stCondLst>
                             <p:childTnLst>
                               <p:par>
-                                <p:cTn id="55" presetID="1" presetClass="entr" presetSubtype="0" fill="hold" grpId="0" nodeType="clickEffect">
+                                <p:cTn id="41" presetID="1" presetClass="entr" presetSubtype="0" fill="hold" grpId="0" nodeType="clickEffect">
                                   <p:stCondLst>
                                     <p:cond delay="0"/>
                                   </p:stCondLst>
                                   <p:childTnLst>
                                     <p:set>
                                       <p:cBhvr>
-                                        <p:cTn id="56" dur="1" fill="hold">
+                                        <p:cTn id="42" dur="1" fill="hold">
                                           <p:stCondLst>
                                             <p:cond delay="0"/>
                                           </p:stCondLst>
                                         </p:cTn>
                                         <p:tgtEl>
-                                          <p:spTgt spid="32"/>
+                                          <p:spTgt spid="33"/>
                                         </p:tgtEl>
                                         <p:attrNameLst>
                                           <p:attrName>style.visibility</p:attrName>
@@ -5374,20 +5021,20 @@
                                 </p:cTn>
                               </p:par>
                               <p:par>
-                                <p:cTn id="57" presetID="1" presetClass="entr" presetSubtype="0" fill="hold" grpId="0" nodeType="withEffect">
+                                <p:cTn id="43" presetID="1" presetClass="entr" presetSubtype="0" fill="hold" grpId="0" nodeType="withEffect">
                                   <p:stCondLst>
                                     <p:cond delay="0"/>
                                   </p:stCondLst>
                                   <p:childTnLst>
                                     <p:set>
                                       <p:cBhvr>
-                                        <p:cTn id="58" dur="1" fill="hold">
+                                        <p:cTn id="44" dur="1" fill="hold">
                                           <p:stCondLst>
                                             <p:cond delay="0"/>
                                           </p:stCondLst>
                                         </p:cTn>
                                         <p:tgtEl>
-                                          <p:spTgt spid="31"/>
+                                          <p:spTgt spid="35"/>
                                         </p:tgtEl>
                                         <p:attrNameLst>
                                           <p:attrName>style.visibility</p:attrName>
@@ -5400,75 +5047,39 @@
                                   </p:childTnLst>
                                 </p:cTn>
                               </p:par>
+                            </p:childTnLst>
+                          </p:cTn>
+                        </p:par>
+                      </p:childTnLst>
+                    </p:cTn>
+                  </p:par>
+                  <p:par>
+                    <p:cTn id="45" fill="hold">
+                      <p:stCondLst>
+                        <p:cond delay="indefinite"/>
+                      </p:stCondLst>
+                      <p:childTnLst>
+                        <p:par>
+                          <p:cTn id="46" fill="hold">
+                            <p:stCondLst>
+                              <p:cond delay="0"/>
+                            </p:stCondLst>
+                            <p:childTnLst>
                               <p:par>
-                                <p:cTn id="59" presetID="1" presetClass="entr" presetSubtype="0" fill="hold" grpId="0" nodeType="withEffect">
+                                <p:cTn id="47" presetID="1" presetClass="entr" presetSubtype="0" fill="hold" grpId="0" nodeType="clickEffect">
                                   <p:stCondLst>
                                     <p:cond delay="0"/>
                                   </p:stCondLst>
                                   <p:childTnLst>
                                     <p:set>
                                       <p:cBhvr>
-                                        <p:cTn id="60" dur="1" fill="hold">
+                                        <p:cTn id="48" dur="1" fill="hold">
                                           <p:stCondLst>
                                             <p:cond delay="0"/>
                                           </p:stCondLst>
                                         </p:cTn>
                                         <p:tgtEl>
-                                          <p:spTgt spid="29"/>
-                                        </p:tgtEl>
-                                        <p:attrNameLst>
-                                          <p:attrName>style.visibility</p:attrName>
-                                        </p:attrNameLst>
-                                      </p:cBhvr>
-                                      <p:to>
-                                        <p:strVal val="visible"/>
-                                      </p:to>
-                                    </p:set>
-                                  </p:childTnLst>
-                                </p:cTn>
-                              </p:par>
-                              <p:par>
-                                <p:cTn id="61" presetID="1" presetClass="entr" presetSubtype="0" fill="hold" grpId="0" nodeType="withEffect">
-                                  <p:stCondLst>
-                                    <p:cond delay="0"/>
-                                  </p:stCondLst>
-                                  <p:childTnLst>
-                                    <p:set>
-                                      <p:cBhvr>
-                                        <p:cTn id="62" dur="1" fill="hold">
-                                          <p:stCondLst>
-                                            <p:cond delay="0"/>
-                                          </p:stCondLst>
-                                        </p:cTn>
-                                        <p:tgtEl>
-                                          <p:spTgt spid="30"/>
-                                        </p:tgtEl>
-                                        <p:attrNameLst>
-                                          <p:attrName>style.visibility</p:attrName>
-                                        </p:attrNameLst>
-                                      </p:cBhvr>
-                                      <p:to>
-                                        <p:strVal val="visible"/>
-                                      </p:to>
-                                    </p:set>
-                                  </p:childTnLst>
-                                </p:cTn>
-                              </p:par>
-                              <p:par>
-                                <p:cTn id="63" presetID="1" presetClass="entr" presetSubtype="0" fill="hold" grpId="0" nodeType="withEffect">
-                                  <p:stCondLst>
-                                    <p:cond delay="0"/>
-                                  </p:stCondLst>
-                                  <p:childTnLst>
-                                    <p:set>
-                                      <p:cBhvr>
-                                        <p:cTn id="64" dur="1" fill="hold">
-                                          <p:stCondLst>
-                                            <p:cond delay="0"/>
-                                          </p:stCondLst>
-                                        </p:cTn>
-                                        <p:tgtEl>
-                                          <p:spTgt spid="34"/>
+                                          <p:spTgt spid="36"/>
                                         </p:tgtEl>
                                         <p:attrNameLst>
                                           <p:attrName>style.visibility</p:attrName>
@@ -5509,7 +5120,7 @@
       </p:par>
     </p:tnLst>
     <p:bldLst>
-      <p:bldP spid="16" grpId="0"/>
+      <p:bldP spid="18" grpId="0" animBg="1"/>
       <p:bldP spid="4" grpId="0" animBg="1"/>
       <p:bldP spid="5" grpId="0" animBg="1"/>
       <p:bldP spid="6" grpId="0" animBg="1"/>
@@ -5519,21 +5130,14 @@
       <p:bldP spid="10" grpId="0" animBg="1"/>
       <p:bldP spid="12" grpId="0"/>
       <p:bldP spid="13" grpId="0" animBg="1"/>
-      <p:bldP spid="14" grpId="0" animBg="1"/>
-      <p:bldP spid="15" grpId="0" animBg="1"/>
       <p:bldP spid="17" grpId="0" animBg="1"/>
-      <p:bldP spid="18" grpId="0"/>
       <p:bldP spid="22" grpId="0" animBg="1"/>
-      <p:bldP spid="23" grpId="0" animBg="1"/>
       <p:bldP spid="25" grpId="0" animBg="1"/>
       <p:bldP spid="26" grpId="0" animBg="1"/>
-      <p:bldP spid="27" grpId="0"/>
       <p:bldP spid="28" grpId="0" animBg="1"/>
-      <p:bldP spid="29" grpId="0" animBg="1"/>
-      <p:bldP spid="30" grpId="0"/>
-      <p:bldP spid="31" grpId="0" animBg="1"/>
-      <p:bldP spid="32" grpId="0" animBg="1"/>
-      <p:bldP spid="34" grpId="0" animBg="1"/>
+      <p:bldP spid="35" grpId="0" animBg="1"/>
+      <p:bldP spid="33" grpId="0" animBg="1"/>
+      <p:bldP spid="36" grpId="0" animBg="1"/>
     </p:bldLst>
   </p:timing>
 </p:sld>

--- a/images/architecture_new.pptx
+++ b/images/architecture_new.pptx
@@ -259,7 +259,7 @@
           <a:p>
             <a:fld id="{B8A47B62-BE7E-4F7F-AC39-2BD8D19C2A14}" type="datetimeFigureOut">
               <a:rPr lang="en-US" smtClean="0"/>
-              <a:t>9/16/2018</a:t>
+              <a:t>9/19/2018</a:t>
             </a:fld>
             <a:endParaRPr lang="en-US"/>
           </a:p>
@@ -457,7 +457,7 @@
           <a:p>
             <a:fld id="{B8A47B62-BE7E-4F7F-AC39-2BD8D19C2A14}" type="datetimeFigureOut">
               <a:rPr lang="en-US" smtClean="0"/>
-              <a:t>9/16/2018</a:t>
+              <a:t>9/19/2018</a:t>
             </a:fld>
             <a:endParaRPr lang="en-US"/>
           </a:p>
@@ -665,7 +665,7 @@
           <a:p>
             <a:fld id="{B8A47B62-BE7E-4F7F-AC39-2BD8D19C2A14}" type="datetimeFigureOut">
               <a:rPr lang="en-US" smtClean="0"/>
-              <a:t>9/16/2018</a:t>
+              <a:t>9/19/2018</a:t>
             </a:fld>
             <a:endParaRPr lang="en-US"/>
           </a:p>
@@ -863,7 +863,7 @@
           <a:p>
             <a:fld id="{B8A47B62-BE7E-4F7F-AC39-2BD8D19C2A14}" type="datetimeFigureOut">
               <a:rPr lang="en-US" smtClean="0"/>
-              <a:t>9/16/2018</a:t>
+              <a:t>9/19/2018</a:t>
             </a:fld>
             <a:endParaRPr lang="en-US"/>
           </a:p>
@@ -1138,7 +1138,7 @@
           <a:p>
             <a:fld id="{B8A47B62-BE7E-4F7F-AC39-2BD8D19C2A14}" type="datetimeFigureOut">
               <a:rPr lang="en-US" smtClean="0"/>
-              <a:t>9/16/2018</a:t>
+              <a:t>9/19/2018</a:t>
             </a:fld>
             <a:endParaRPr lang="en-US"/>
           </a:p>
@@ -1403,7 +1403,7 @@
           <a:p>
             <a:fld id="{B8A47B62-BE7E-4F7F-AC39-2BD8D19C2A14}" type="datetimeFigureOut">
               <a:rPr lang="en-US" smtClean="0"/>
-              <a:t>9/16/2018</a:t>
+              <a:t>9/19/2018</a:t>
             </a:fld>
             <a:endParaRPr lang="en-US"/>
           </a:p>
@@ -1815,7 +1815,7 @@
           <a:p>
             <a:fld id="{B8A47B62-BE7E-4F7F-AC39-2BD8D19C2A14}" type="datetimeFigureOut">
               <a:rPr lang="en-US" smtClean="0"/>
-              <a:t>9/16/2018</a:t>
+              <a:t>9/19/2018</a:t>
             </a:fld>
             <a:endParaRPr lang="en-US"/>
           </a:p>
@@ -1956,7 +1956,7 @@
           <a:p>
             <a:fld id="{B8A47B62-BE7E-4F7F-AC39-2BD8D19C2A14}" type="datetimeFigureOut">
               <a:rPr lang="en-US" smtClean="0"/>
-              <a:t>9/16/2018</a:t>
+              <a:t>9/19/2018</a:t>
             </a:fld>
             <a:endParaRPr lang="en-US"/>
           </a:p>
@@ -2069,7 +2069,7 @@
           <a:p>
             <a:fld id="{B8A47B62-BE7E-4F7F-AC39-2BD8D19C2A14}" type="datetimeFigureOut">
               <a:rPr lang="en-US" smtClean="0"/>
-              <a:t>9/16/2018</a:t>
+              <a:t>9/19/2018</a:t>
             </a:fld>
             <a:endParaRPr lang="en-US"/>
           </a:p>
@@ -2380,7 +2380,7 @@
           <a:p>
             <a:fld id="{B8A47B62-BE7E-4F7F-AC39-2BD8D19C2A14}" type="datetimeFigureOut">
               <a:rPr lang="en-US" smtClean="0"/>
-              <a:t>9/16/2018</a:t>
+              <a:t>9/19/2018</a:t>
             </a:fld>
             <a:endParaRPr lang="en-US"/>
           </a:p>
@@ -2668,7 +2668,7 @@
           <a:p>
             <a:fld id="{B8A47B62-BE7E-4F7F-AC39-2BD8D19C2A14}" type="datetimeFigureOut">
               <a:rPr lang="en-US" smtClean="0"/>
-              <a:t>9/16/2018</a:t>
+              <a:t>9/19/2018</a:t>
             </a:fld>
             <a:endParaRPr lang="en-US"/>
           </a:p>
@@ -2909,7 +2909,7 @@
           <a:p>
             <a:fld id="{B8A47B62-BE7E-4F7F-AC39-2BD8D19C2A14}" type="datetimeFigureOut">
               <a:rPr lang="en-US" smtClean="0"/>
-              <a:t>9/16/2018</a:t>
+              <a:t>9/19/2018</a:t>
             </a:fld>
             <a:endParaRPr lang="en-US"/>
           </a:p>
@@ -3803,6 +3803,14 @@
           <a:prstGeom prst="rect">
             <a:avLst/>
           </a:prstGeom>
+          <a:pattFill prst="pct20">
+            <a:fgClr>
+              <a:schemeClr val="tx1"/>
+            </a:fgClr>
+            <a:bgClr>
+              <a:schemeClr val="bg1"/>
+            </a:bgClr>
+          </a:pattFill>
           <a:ln w="38100"/>
         </p:spPr>
         <p:style>
@@ -3855,6 +3863,14 @@
           <a:prstGeom prst="rect">
             <a:avLst/>
           </a:prstGeom>
+          <a:pattFill prst="pct20">
+            <a:fgClr>
+              <a:schemeClr val="tx1"/>
+            </a:fgClr>
+            <a:bgClr>
+              <a:schemeClr val="bg1"/>
+            </a:bgClr>
+          </a:pattFill>
           <a:ln w="38100"/>
         </p:spPr>
         <p:style>
@@ -4078,6 +4094,14 @@
           <a:prstGeom prst="rect">
             <a:avLst/>
           </a:prstGeom>
+          <a:pattFill prst="pct20">
+            <a:fgClr>
+              <a:schemeClr val="tx1"/>
+            </a:fgClr>
+            <a:bgClr>
+              <a:schemeClr val="bg1"/>
+            </a:bgClr>
+          </a:pattFill>
           <a:ln w="38100"/>
         </p:spPr>
         <p:style>
@@ -4272,6 +4296,14 @@
           <a:prstGeom prst="rect">
             <a:avLst/>
           </a:prstGeom>
+          <a:pattFill prst="pct20">
+            <a:fgClr>
+              <a:schemeClr val="tx1"/>
+            </a:fgClr>
+            <a:bgClr>
+              <a:schemeClr val="bg1"/>
+            </a:bgClr>
+          </a:pattFill>
           <a:ln w="38100"/>
         </p:spPr>
         <p:style>
@@ -4320,6 +4352,14 @@
           <a:prstGeom prst="rect">
             <a:avLst/>
           </a:prstGeom>
+          <a:pattFill prst="pct20">
+            <a:fgClr>
+              <a:schemeClr val="tx1"/>
+            </a:fgClr>
+            <a:bgClr>
+              <a:schemeClr val="bg1"/>
+            </a:bgClr>
+          </a:pattFill>
           <a:ln w="38100"/>
         </p:spPr>
         <p:style>
@@ -4424,6 +4464,14 @@
           <a:prstGeom prst="rect">
             <a:avLst/>
           </a:prstGeom>
+          <a:pattFill prst="pct20">
+            <a:fgClr>
+              <a:schemeClr val="tx1"/>
+            </a:fgClr>
+            <a:bgClr>
+              <a:schemeClr val="bg1"/>
+            </a:bgClr>
+          </a:pattFill>
           <a:ln w="38100"/>
         </p:spPr>
         <p:style>
@@ -4472,6 +4520,14 @@
           <a:prstGeom prst="rect">
             <a:avLst/>
           </a:prstGeom>
+          <a:pattFill prst="pct20">
+            <a:fgClr>
+              <a:schemeClr val="tx1"/>
+            </a:fgClr>
+            <a:bgClr>
+              <a:schemeClr val="bg1"/>
+            </a:bgClr>
+          </a:pattFill>
           <a:ln w="38100"/>
         </p:spPr>
         <p:style>
